--- a/Blazor/Final - Blazor - Sort 2019 - Jon Worthington.pptx
+++ b/Blazor/Final - Blazor - Sort 2019 - Jon Worthington.pptx
@@ -21014,6 +21014,22 @@
           <a:lstStyle/>
           <a:p>
             <a:r>
+              <a:rPr lang="en-US" dirty="0" err="1"/>
+              <a:t>Github</a:t>
+            </a:r>
+            <a:br>
+              <a:rPr lang="en-US" b="1" dirty="0"/>
+            </a:br>
+            <a:r>
+              <a:rPr lang="en-US" dirty="0">
+                <a:hlinkClick r:id="rId2"/>
+              </a:rPr>
+              <a:t>https://github.com/worthingtonjg/Sort2019</a:t>
+            </a:r>
+            <a:endParaRPr lang="en-US" dirty="0"/>
+          </a:p>
+          <a:p>
+            <a:r>
               <a:rPr lang="en-US" dirty="0"/>
               <a:t>Blazor Workshop</a:t>
             </a:r>
@@ -21022,7 +21038,7 @@
             </a:br>
             <a:r>
               <a:rPr lang="en-US" dirty="0">
-                <a:hlinkClick r:id="rId2"/>
+                <a:hlinkClick r:id="rId3"/>
               </a:rPr>
               <a:t>https://github.com/dotnet-presentations/blazor-workshop</a:t>
             </a:r>
@@ -21038,7 +21054,7 @@
             </a:br>
             <a:r>
               <a:rPr lang="en-US" dirty="0">
-                <a:hlinkClick r:id="rId3"/>
+                <a:hlinkClick r:id="rId4"/>
               </a:rPr>
               <a:t>https://docs.microsoft.com/en-us/aspnet/core/blazor/get-started?view=aspnetcore-3.0&amp;tabs=visual-studio</a:t>
             </a:r>
@@ -21054,7 +21070,7 @@
             </a:br>
             <a:r>
               <a:rPr lang="en-US" dirty="0">
-                <a:hlinkClick r:id="rId4"/>
+                <a:hlinkClick r:id="rId5"/>
               </a:rPr>
               <a:t>https://dotnet.microsoft.com/download/dotnet-core/3.0</a:t>
             </a:r>
@@ -21070,7 +21086,7 @@
             </a:br>
             <a:r>
               <a:rPr lang="en-US" dirty="0">
-                <a:hlinkClick r:id="rId5"/>
+                <a:hlinkClick r:id="rId6"/>
               </a:rPr>
               <a:t>https://visualstudio.microsoft.com/vs/preview/</a:t>
             </a:r>
@@ -21086,7 +21102,7 @@
             </a:br>
             <a:r>
               <a:rPr lang="en-US" dirty="0">
-                <a:hlinkClick r:id="rId6"/>
+                <a:hlinkClick r:id="rId7"/>
               </a:rPr>
               <a:t>https://docs.microsoft.com/en-us/aspnet/core/blazor/?view=aspnetcore-3.0</a:t>
             </a:r>
@@ -23880,18 +23896,18 @@
 </file>
 
 <file path=customXml/item1.xml><?xml version="1.0" encoding="utf-8"?>
-<p:properties xmlns:p="http://schemas.microsoft.com/office/2006/metadata/properties" xmlns:xsi="http://www.w3.org/2001/XMLSchema-instance" xmlns:pc="http://schemas.microsoft.com/office/infopath/2007/PartnerControls">
-  <documentManagement/>
-</p:properties>
-</file>
-
-<file path=customXml/item2.xml><?xml version="1.0" encoding="utf-8"?>
 <?mso-contentType ?>
 <FormTemplates xmlns="http://schemas.microsoft.com/sharepoint/v3/contenttype/forms">
   <Display>DocumentLibraryForm</Display>
   <Edit>DocumentLibraryForm</Edit>
   <New>DocumentLibraryForm</New>
 </FormTemplates>
+</file>
+
+<file path=customXml/item2.xml><?xml version="1.0" encoding="utf-8"?>
+<p:properties xmlns:p="http://schemas.microsoft.com/office/2006/metadata/properties" xmlns:xsi="http://www.w3.org/2001/XMLSchema-instance" xmlns:pc="http://schemas.microsoft.com/office/infopath/2007/PartnerControls">
+  <documentManagement/>
+</p:properties>
 </file>
 
 <file path=customXml/item3.xml><?xml version="1.0" encoding="utf-8"?>
@@ -24060,6 +24076,14 @@
 </file>
 
 <file path=customXml/itemProps1.xml><?xml version="1.0" encoding="utf-8"?>
+<ds:datastoreItem xmlns:ds="http://schemas.openxmlformats.org/officeDocument/2006/customXml" ds:itemID="{273D40F7-F704-48B0-A670-576FE32B905E}">
+  <ds:schemaRefs>
+    <ds:schemaRef ds:uri="http://schemas.microsoft.com/sharepoint/v3/contenttype/forms"/>
+  </ds:schemaRefs>
+</ds:datastoreItem>
+</file>
+
+<file path=customXml/itemProps2.xml><?xml version="1.0" encoding="utf-8"?>
 <ds:datastoreItem xmlns:ds="http://schemas.openxmlformats.org/officeDocument/2006/customXml" ds:itemID="{D90E7FE9-56EC-445A-8DDD-440A1079F32A}">
   <ds:schemaRefs>
     <ds:schemaRef ds:uri="http://purl.org/dc/elements/1.1/"/>
@@ -24072,14 +24096,6 @@
     <ds:schemaRef ds:uri="http://schemas.microsoft.com/office/infopath/2007/PartnerControls"/>
     <ds:schemaRef ds:uri="http://schemas.openxmlformats.org/package/2006/metadata/core-properties"/>
     <ds:schemaRef ds:uri="6d4fdb20-2939-4370-9847-a035aab9d673"/>
-  </ds:schemaRefs>
-</ds:datastoreItem>
-</file>
-
-<file path=customXml/itemProps2.xml><?xml version="1.0" encoding="utf-8"?>
-<ds:datastoreItem xmlns:ds="http://schemas.openxmlformats.org/officeDocument/2006/customXml" ds:itemID="{273D40F7-F704-48B0-A670-576FE32B905E}">
-  <ds:schemaRefs>
-    <ds:schemaRef ds:uri="http://schemas.microsoft.com/sharepoint/v3/contenttype/forms"/>
   </ds:schemaRefs>
 </ds:datastoreItem>
 </file>

--- a/Blazor/Final - Blazor - Sort 2019 - Jon Worthington.pptx
+++ b/Blazor/Final - Blazor - Sort 2019 - Jon Worthington.pptx
@@ -2976,7 +2976,7 @@
           <a:p>
             <a:fld id="{89352B6C-D4C9-47F9-89DC-3AEEFB041037}" type="datetimeFigureOut">
               <a:rPr lang="en-US" smtClean="0"/>
-              <a:t>10/2/2019</a:t>
+              <a:t>10/3/2019</a:t>
             </a:fld>
             <a:endParaRPr lang="en-US"/>
           </a:p>
@@ -3476,7 +3476,7 @@
           <a:p>
             <a:fld id="{096B5631-8577-E648-B608-389A859B729B}" type="datetimeFigureOut">
               <a:rPr lang="en-US" smtClean="0"/>
-              <a:t>10/2/2019</a:t>
+              <a:t>10/3/2019</a:t>
             </a:fld>
             <a:endParaRPr lang="en-US"/>
           </a:p>
@@ -3845,7 +3845,7 @@
           <a:p>
             <a:fld id="{096B5631-8577-E648-B608-389A859B729B}" type="datetimeFigureOut">
               <a:rPr lang="en-US" smtClean="0"/>
-              <a:t>10/2/2019</a:t>
+              <a:t>10/3/2019</a:t>
             </a:fld>
             <a:endParaRPr lang="en-US"/>
           </a:p>
@@ -4067,7 +4067,7 @@
           <a:p>
             <a:fld id="{096B5631-8577-E648-B608-389A859B729B}" type="datetimeFigureOut">
               <a:rPr lang="en-US" smtClean="0"/>
-              <a:t>10/2/2019</a:t>
+              <a:t>10/3/2019</a:t>
             </a:fld>
             <a:endParaRPr lang="en-US"/>
           </a:p>
@@ -4289,7 +4289,7 @@
           <a:p>
             <a:fld id="{096B5631-8577-E648-B608-389A859B729B}" type="datetimeFigureOut">
               <a:rPr lang="en-US" smtClean="0"/>
-              <a:t>10/2/2019</a:t>
+              <a:t>10/3/2019</a:t>
             </a:fld>
             <a:endParaRPr lang="en-US"/>
           </a:p>
@@ -4684,7 +4684,7 @@
           <a:p>
             <a:fld id="{7B5549D9-69E0-4A21-8E90-4EEA789D8B17}" type="datetimeFigureOut">
               <a:rPr lang="en-US" smtClean="0"/>
-              <a:t>10/2/2019</a:t>
+              <a:t>10/3/2019</a:t>
             </a:fld>
             <a:endParaRPr lang="en-US"/>
           </a:p>
@@ -4904,7 +4904,7 @@
           <a:p>
             <a:fld id="{192802A8-6727-C24A-8243-95DC814C3DC9}" type="datetimeFigureOut">
               <a:rPr lang="en-US" smtClean="0"/>
-              <a:t>10/2/2019</a:t>
+              <a:t>10/3/2019</a:t>
             </a:fld>
             <a:endParaRPr lang="en-US"/>
           </a:p>
@@ -5102,7 +5102,7 @@
           <a:p>
             <a:fld id="{192802A8-6727-C24A-8243-95DC814C3DC9}" type="datetimeFigureOut">
               <a:rPr lang="en-US" smtClean="0"/>
-              <a:t>10/2/2019</a:t>
+              <a:t>10/3/2019</a:t>
             </a:fld>
             <a:endParaRPr lang="en-US"/>
           </a:p>
@@ -5377,7 +5377,7 @@
           <a:p>
             <a:fld id="{192802A8-6727-C24A-8243-95DC814C3DC9}" type="datetimeFigureOut">
               <a:rPr lang="en-US" smtClean="0"/>
-              <a:t>10/2/2019</a:t>
+              <a:t>10/3/2019</a:t>
             </a:fld>
             <a:endParaRPr lang="en-US"/>
           </a:p>
@@ -5642,7 +5642,7 @@
           <a:p>
             <a:fld id="{192802A8-6727-C24A-8243-95DC814C3DC9}" type="datetimeFigureOut">
               <a:rPr lang="en-US" smtClean="0"/>
-              <a:t>10/2/2019</a:t>
+              <a:t>10/3/2019</a:t>
             </a:fld>
             <a:endParaRPr lang="en-US"/>
           </a:p>
@@ -6054,7 +6054,7 @@
           <a:p>
             <a:fld id="{192802A8-6727-C24A-8243-95DC814C3DC9}" type="datetimeFigureOut">
               <a:rPr lang="en-US" smtClean="0"/>
-              <a:t>10/2/2019</a:t>
+              <a:t>10/3/2019</a:t>
             </a:fld>
             <a:endParaRPr lang="en-US"/>
           </a:p>
@@ -6199,7 +6199,7 @@
           <a:p>
             <a:fld id="{096B5631-8577-E648-B608-389A859B729B}" type="datetimeFigureOut">
               <a:rPr lang="en-US" smtClean="0"/>
-              <a:t>10/2/2019</a:t>
+              <a:t>10/3/2019</a:t>
             </a:fld>
             <a:endParaRPr lang="en-US"/>
           </a:p>
@@ -6452,7 +6452,7 @@
           <a:p>
             <a:fld id="{192802A8-6727-C24A-8243-95DC814C3DC9}" type="datetimeFigureOut">
               <a:rPr lang="en-US" smtClean="0"/>
-              <a:t>10/2/2019</a:t>
+              <a:t>10/3/2019</a:t>
             </a:fld>
             <a:endParaRPr lang="en-US"/>
           </a:p>
@@ -6565,7 +6565,7 @@
           <a:p>
             <a:fld id="{192802A8-6727-C24A-8243-95DC814C3DC9}" type="datetimeFigureOut">
               <a:rPr lang="en-US" smtClean="0"/>
-              <a:t>10/2/2019</a:t>
+              <a:t>10/3/2019</a:t>
             </a:fld>
             <a:endParaRPr lang="en-US"/>
           </a:p>
@@ -6876,7 +6876,7 @@
           <a:p>
             <a:fld id="{192802A8-6727-C24A-8243-95DC814C3DC9}" type="datetimeFigureOut">
               <a:rPr lang="en-US" smtClean="0"/>
-              <a:t>10/2/2019</a:t>
+              <a:t>10/3/2019</a:t>
             </a:fld>
             <a:endParaRPr lang="en-US"/>
           </a:p>
@@ -7164,7 +7164,7 @@
           <a:p>
             <a:fld id="{192802A8-6727-C24A-8243-95DC814C3DC9}" type="datetimeFigureOut">
               <a:rPr lang="en-US" smtClean="0"/>
-              <a:t>10/2/2019</a:t>
+              <a:t>10/3/2019</a:t>
             </a:fld>
             <a:endParaRPr lang="en-US"/>
           </a:p>
@@ -7362,7 +7362,7 @@
           <a:p>
             <a:fld id="{192802A8-6727-C24A-8243-95DC814C3DC9}" type="datetimeFigureOut">
               <a:rPr lang="en-US" smtClean="0"/>
-              <a:t>10/2/2019</a:t>
+              <a:t>10/3/2019</a:t>
             </a:fld>
             <a:endParaRPr lang="en-US"/>
           </a:p>
@@ -7570,7 +7570,7 @@
           <a:p>
             <a:fld id="{192802A8-6727-C24A-8243-95DC814C3DC9}" type="datetimeFigureOut">
               <a:rPr lang="en-US" smtClean="0"/>
-              <a:t>10/2/2019</a:t>
+              <a:t>10/3/2019</a:t>
             </a:fld>
             <a:endParaRPr lang="en-US"/>
           </a:p>
@@ -7711,7 +7711,7 @@
           <a:p>
             <a:fld id="{192802A8-6727-C24A-8243-95DC814C3DC9}" type="datetimeFigureOut">
               <a:rPr lang="en-US" smtClean="0"/>
-              <a:t>10/2/2019</a:t>
+              <a:t>10/3/2019</a:t>
             </a:fld>
             <a:endParaRPr lang="en-US"/>
           </a:p>
@@ -9107,7 +9107,7 @@
           <a:p>
             <a:fld id="{096B5631-8577-E648-B608-389A859B729B}" type="datetimeFigureOut">
               <a:rPr lang="en-US" smtClean="0"/>
-              <a:t>10/2/2019</a:t>
+              <a:t>10/3/2019</a:t>
             </a:fld>
             <a:endParaRPr lang="en-US"/>
           </a:p>
@@ -12823,7 +12823,7 @@
           <a:p>
             <a:fld id="{096B5631-8577-E648-B608-389A859B729B}" type="datetimeFigureOut">
               <a:rPr lang="en-US" smtClean="0"/>
-              <a:t>10/2/2019</a:t>
+              <a:t>10/3/2019</a:t>
             </a:fld>
             <a:endParaRPr lang="en-US"/>
           </a:p>
@@ -16660,7 +16660,7 @@
           <a:p>
             <a:fld id="{096B5631-8577-E648-B608-389A859B729B}" type="datetimeFigureOut">
               <a:rPr lang="en-US" smtClean="0"/>
-              <a:t>10/2/2019</a:t>
+              <a:t>10/3/2019</a:t>
             </a:fld>
             <a:endParaRPr lang="en-US"/>
           </a:p>
@@ -16861,7 +16861,7 @@
           <a:p>
             <a:fld id="{096B5631-8577-E648-B608-389A859B729B}" type="datetimeFigureOut">
               <a:rPr lang="en-US" smtClean="0"/>
-              <a:t>10/2/2019</a:t>
+              <a:t>10/3/2019</a:t>
             </a:fld>
             <a:endParaRPr lang="en-US"/>
           </a:p>
@@ -17062,7 +17062,7 @@
           <a:p>
             <a:fld id="{096B5631-8577-E648-B608-389A859B729B}" type="datetimeFigureOut">
               <a:rPr lang="en-US" smtClean="0"/>
-              <a:t>10/2/2019</a:t>
+              <a:t>10/3/2019</a:t>
             </a:fld>
             <a:endParaRPr lang="en-US"/>
           </a:p>
@@ -17414,7 +17414,7 @@
           <a:p>
             <a:fld id="{096B5631-8577-E648-B608-389A859B729B}" type="datetimeFigureOut">
               <a:rPr lang="en-US" smtClean="0"/>
-              <a:t>10/2/2019</a:t>
+              <a:t>10/3/2019</a:t>
             </a:fld>
             <a:endParaRPr lang="en-US"/>
           </a:p>
@@ -17653,7 +17653,7 @@
             <a:fld id="{096B5631-8577-E648-B608-389A859B729B}" type="datetimeFigureOut">
               <a:rPr lang="en-US" smtClean="0"/>
               <a:pPr/>
-              <a:t>10/2/2019</a:t>
+              <a:t>10/3/2019</a:t>
             </a:fld>
             <a:endParaRPr lang="en-US"/>
           </a:p>
@@ -18324,7 +18324,7 @@
           <a:p>
             <a:fld id="{192802A8-6727-C24A-8243-95DC814C3DC9}" type="datetimeFigureOut">
               <a:rPr lang="en-US" smtClean="0"/>
-              <a:t>10/2/2019</a:t>
+              <a:t>10/3/2019</a:t>
             </a:fld>
             <a:endParaRPr lang="en-US"/>
           </a:p>
@@ -20784,7 +20784,7 @@
             </a:r>
             <a:r>
               <a:rPr lang="en-US" dirty="0"/>
-              <a:t> - </a:t>
+              <a:t> – </a:t>
             </a:r>
             <a:r>
               <a:rPr lang="pl-PL" dirty="0"/>
@@ -20802,7 +20802,15 @@
           <a:p>
             <a:r>
               <a:rPr lang="pl-PL" dirty="0"/>
-              <a:t>Performance –Mitigated by AOT compilation and improvements in WASM itself</a:t>
+              <a:t>Performance –</a:t>
+            </a:r>
+            <a:r>
+              <a:rPr lang="en-US" dirty="0"/>
+              <a:t> </a:t>
+            </a:r>
+            <a:r>
+              <a:rPr lang="pl-PL" dirty="0"/>
+              <a:t>Mitigated by AOT compilation and improvements in WASM itself</a:t>
             </a:r>
             <a:endParaRPr lang="en-US" dirty="0"/>
           </a:p>
@@ -23896,21 +23904,6 @@
 </file>
 
 <file path=customXml/item1.xml><?xml version="1.0" encoding="utf-8"?>
-<?mso-contentType ?>
-<FormTemplates xmlns="http://schemas.microsoft.com/sharepoint/v3/contenttype/forms">
-  <Display>DocumentLibraryForm</Display>
-  <Edit>DocumentLibraryForm</Edit>
-  <New>DocumentLibraryForm</New>
-</FormTemplates>
-</file>
-
-<file path=customXml/item2.xml><?xml version="1.0" encoding="utf-8"?>
-<p:properties xmlns:p="http://schemas.microsoft.com/office/2006/metadata/properties" xmlns:xsi="http://www.w3.org/2001/XMLSchema-instance" xmlns:pc="http://schemas.microsoft.com/office/infopath/2007/PartnerControls">
-  <documentManagement/>
-</p:properties>
-</file>
-
-<file path=customXml/item3.xml><?xml version="1.0" encoding="utf-8"?>
 <ct:contentTypeSchema xmlns:ct="http://schemas.microsoft.com/office/2006/metadata/contentType" xmlns:ma="http://schemas.microsoft.com/office/2006/metadata/properties/metaAttributes" ct:_="" ma:_="" ma:contentTypeName="Document" ma:contentTypeID="0x010100AA54BB1C3862D146BD28E10908B259ED" ma:contentTypeVersion="4" ma:contentTypeDescription="Create a new document." ma:contentTypeScope="" ma:versionID="b315abf136073b747c02fd5933a7e625">
   <xsd:schema xmlns:xsd="http://www.w3.org/2001/XMLSchema" xmlns:xs="http://www.w3.org/2001/XMLSchema" xmlns:p="http://schemas.microsoft.com/office/2006/metadata/properties" xmlns:ns2="f32cd541-61f1-447c-8fae-7915de1545ce" xmlns:ns3="6d4fdb20-2939-4370-9847-a035aab9d673" targetNamespace="http://schemas.microsoft.com/office/2006/metadata/properties" ma:root="true" ma:fieldsID="d186982b151e14f251be648c5e1ebc67" ns2:_="" ns3:_="">
     <xsd:import namespace="f32cd541-61f1-447c-8fae-7915de1545ce"/>
@@ -24075,10 +24068,36 @@
 </ct:contentTypeSchema>
 </file>
 
+<file path=customXml/item2.xml><?xml version="1.0" encoding="utf-8"?>
+<p:properties xmlns:p="http://schemas.microsoft.com/office/2006/metadata/properties" xmlns:xsi="http://www.w3.org/2001/XMLSchema-instance" xmlns:pc="http://schemas.microsoft.com/office/infopath/2007/PartnerControls">
+  <documentManagement/>
+</p:properties>
+</file>
+
+<file path=customXml/item3.xml><?xml version="1.0" encoding="utf-8"?>
+<?mso-contentType ?>
+<FormTemplates xmlns="http://schemas.microsoft.com/sharepoint/v3/contenttype/forms">
+  <Display>DocumentLibraryForm</Display>
+  <Edit>DocumentLibraryForm</Edit>
+  <New>DocumentLibraryForm</New>
+</FormTemplates>
+</file>
+
 <file path=customXml/itemProps1.xml><?xml version="1.0" encoding="utf-8"?>
-<ds:datastoreItem xmlns:ds="http://schemas.openxmlformats.org/officeDocument/2006/customXml" ds:itemID="{273D40F7-F704-48B0-A670-576FE32B905E}">
+<ds:datastoreItem xmlns:ds="http://schemas.openxmlformats.org/officeDocument/2006/customXml" ds:itemID="{8359E32E-B6B6-4935-B5FB-63CEFCACC507}">
   <ds:schemaRefs>
-    <ds:schemaRef ds:uri="http://schemas.microsoft.com/sharepoint/v3/contenttype/forms"/>
+    <ds:schemaRef ds:uri="6d4fdb20-2939-4370-9847-a035aab9d673"/>
+    <ds:schemaRef ds:uri="f32cd541-61f1-447c-8fae-7915de1545ce"/>
+    <ds:schemaRef ds:uri="http://purl.org/dc/elements/1.1/"/>
+    <ds:schemaRef ds:uri="http://purl.org/dc/terms/"/>
+    <ds:schemaRef ds:uri="http://schemas.microsoft.com/internal/obd"/>
+    <ds:schemaRef ds:uri="http://schemas.microsoft.com/office/2006/documentManagement/types"/>
+    <ds:schemaRef ds:uri="http://schemas.microsoft.com/office/2006/metadata/contentType"/>
+    <ds:schemaRef ds:uri="http://schemas.microsoft.com/office/2006/metadata/properties"/>
+    <ds:schemaRef ds:uri="http://schemas.microsoft.com/office/2006/metadata/properties/metaAttributes"/>
+    <ds:schemaRef ds:uri="http://schemas.microsoft.com/office/infopath/2007/PartnerControls"/>
+    <ds:schemaRef ds:uri="http://schemas.openxmlformats.org/package/2006/metadata/core-properties"/>
+    <ds:schemaRef ds:uri="http://www.w3.org/2001/XMLSchema"/>
   </ds:schemaRefs>
 </ds:datastoreItem>
 </file>
@@ -24101,20 +24120,9 @@
 </file>
 
 <file path=customXml/itemProps3.xml><?xml version="1.0" encoding="utf-8"?>
-<ds:datastoreItem xmlns:ds="http://schemas.openxmlformats.org/officeDocument/2006/customXml" ds:itemID="{8359E32E-B6B6-4935-B5FB-63CEFCACC507}">
+<ds:datastoreItem xmlns:ds="http://schemas.openxmlformats.org/officeDocument/2006/customXml" ds:itemID="{273D40F7-F704-48B0-A670-576FE32B905E}">
   <ds:schemaRefs>
-    <ds:schemaRef ds:uri="6d4fdb20-2939-4370-9847-a035aab9d673"/>
-    <ds:schemaRef ds:uri="f32cd541-61f1-447c-8fae-7915de1545ce"/>
-    <ds:schemaRef ds:uri="http://purl.org/dc/elements/1.1/"/>
-    <ds:schemaRef ds:uri="http://purl.org/dc/terms/"/>
-    <ds:schemaRef ds:uri="http://schemas.microsoft.com/internal/obd"/>
-    <ds:schemaRef ds:uri="http://schemas.microsoft.com/office/2006/documentManagement/types"/>
-    <ds:schemaRef ds:uri="http://schemas.microsoft.com/office/2006/metadata/contentType"/>
-    <ds:schemaRef ds:uri="http://schemas.microsoft.com/office/2006/metadata/properties"/>
-    <ds:schemaRef ds:uri="http://schemas.microsoft.com/office/2006/metadata/properties/metaAttributes"/>
-    <ds:schemaRef ds:uri="http://schemas.microsoft.com/office/infopath/2007/PartnerControls"/>
-    <ds:schemaRef ds:uri="http://schemas.openxmlformats.org/package/2006/metadata/core-properties"/>
-    <ds:schemaRef ds:uri="http://www.w3.org/2001/XMLSchema"/>
+    <ds:schemaRef ds:uri="http://schemas.microsoft.com/sharepoint/v3/contenttype/forms"/>
   </ds:schemaRefs>
 </ds:datastoreItem>
 </file>